--- a/resources/Presentation-Slides/Chapter-1-Into-Programming/01.Chapter-Overview.pptx
+++ b/resources/Presentation-Slides/Chapter-1-Into-Programming/01.Chapter-Overview.pptx
@@ -228,7 +228,7 @@
             <a:fld id="{FE5B4EDC-59C0-49C7-8ADA-5A781B329E02}" type="datetimeFigureOut">
               <a:rPr lang="en-US"/>
               <a:pPr/>
-              <a:t>19-Sep-18</a:t>
+              <a:t>11-Feb-19</a:t>
             </a:fld>
             <a:endParaRPr dirty="0"/>
           </a:p>
@@ -427,7 +427,7 @@
             <a:fld id="{F2D8D46A-B586-417D-BFBD-8C8FE0AAF762}" type="datetimeFigureOut">
               <a:rPr lang="en-US" smtClean="0"/>
               <a:pPr/>
-              <a:t>19-Sep-18</a:t>
+              <a:t>11-Feb-19</a:t>
             </a:fld>
             <a:endParaRPr lang="en-US"/>
           </a:p>
@@ -1576,7 +1576,7 @@
             <a:fld id="{055373AC-9AA7-423B-BA00-BA1C74164DBD}" type="datetime1">
               <a:rPr lang="en-US" smtClean="0"/>
               <a:pPr/>
-              <a:t>19-Sep-18</a:t>
+              <a:t>11-Feb-19</a:t>
             </a:fld>
             <a:endParaRPr lang="en-US" dirty="0"/>
           </a:p>
@@ -2107,7 +2107,7 @@
             <a:fld id="{055373AC-9AA7-423B-BA00-BA1C74164DBD}" type="datetime1">
               <a:rPr lang="en-US" smtClean="0"/>
               <a:pPr/>
-              <a:t>19-Sep-18</a:t>
+              <a:t>11-Feb-19</a:t>
             </a:fld>
             <a:endParaRPr lang="en-US" dirty="0"/>
           </a:p>
@@ -2681,17 +2681,19 @@
         </p:nvSpPr>
         <p:spPr>
           <a:xfrm>
-            <a:off x="644956" y="400456"/>
+            <a:off x="644956" y="477166"/>
             <a:ext cx="10845156" cy="1109205"/>
           </a:xfrm>
         </p:spPr>
         <p:txBody>
-          <a:bodyPr/>
+          <a:bodyPr>
+            <a:normAutofit/>
+          </a:bodyPr>
           <a:lstStyle/>
           <a:p>
             <a:r>
-              <a:rPr lang="en-US" dirty="0"/>
-              <a:t>First Steps in Coding</a:t>
+              <a:rPr lang="en-US" sz="6000" dirty="0"/>
+              <a:t>First Steps in Programming</a:t>
             </a:r>
           </a:p>
         </p:txBody>
@@ -2708,8 +2710,8 @@
         </p:nvSpPr>
         <p:spPr>
           <a:xfrm>
-            <a:off x="644956" y="1619656"/>
-            <a:ext cx="10845156" cy="1769958"/>
+            <a:off x="644956" y="1696366"/>
+            <a:ext cx="10845156" cy="1472675"/>
           </a:xfrm>
         </p:spPr>
         <p:txBody>
@@ -2719,25 +2721,25 @@
           <a:lstStyle/>
           <a:p>
             <a:r>
-              <a:rPr lang="en-US" dirty="0"/>
-              <a:t>Writing our first program in</a:t>
+              <a:rPr lang="en-US" sz="4400" dirty="0"/>
+              <a:t>Writing Our First Program</a:t>
             </a:r>
             <a:br>
-              <a:rPr lang="en-US" dirty="0"/>
+              <a:rPr lang="en-US" sz="4400" dirty="0"/>
             </a:br>
             <a:r>
-              <a:rPr lang="en-US" dirty="0"/>
-              <a:t>C# and Visual Studio</a:t>
+              <a:rPr lang="en-US" sz="4400" dirty="0"/>
+              <a:t>in C# and Visual Studio</a:t>
             </a:r>
           </a:p>
         </p:txBody>
       </p:sp>
       <p:sp>
         <p:nvSpPr>
-          <p:cNvPr id="34" name="Text Placeholder 10">
+          <p:cNvPr id="14" name="Text Placeholder 10">
             <a:extLst>
               <a:ext uri="{FF2B5EF4-FFF2-40B4-BE49-F238E27FC236}">
-                <a16:creationId xmlns:a16="http://schemas.microsoft.com/office/drawing/2014/main" id="{CA062E2C-B550-4C83-A7D5-1F7891B277B4}"/>
+                <a16:creationId xmlns:a16="http://schemas.microsoft.com/office/drawing/2014/main" id="{50A8C4EE-48A2-4936-810B-66CDC23DB111}"/>
               </a:ext>
             </a:extLst>
           </p:cNvPr>
@@ -2748,7 +2750,7 @@
         </p:nvSpPr>
         <p:spPr bwMode="auto">
           <a:xfrm>
-            <a:off x="687839" y="5366218"/>
+            <a:off x="687839" y="5481330"/>
             <a:ext cx="3723485" cy="363552"/>
           </a:xfrm>
           <a:prstGeom prst="rect">
@@ -2993,10 +2995,10 @@
       </p:sp>
       <p:sp>
         <p:nvSpPr>
-          <p:cNvPr id="35" name="Text Placeholder 11">
+          <p:cNvPr id="17" name="Text Placeholder 11">
             <a:extLst>
               <a:ext uri="{FF2B5EF4-FFF2-40B4-BE49-F238E27FC236}">
-                <a16:creationId xmlns:a16="http://schemas.microsoft.com/office/drawing/2014/main" id="{4370A428-81A6-4979-8466-AD5E75ACFE4C}"/>
+                <a16:creationId xmlns:a16="http://schemas.microsoft.com/office/drawing/2014/main" id="{44A5AA0F-EB90-4B2E-8DB2-2D23DCD3FB13}"/>
               </a:ext>
             </a:extLst>
           </p:cNvPr>
@@ -3007,7 +3009,7 @@
         </p:nvSpPr>
         <p:spPr bwMode="auto">
           <a:xfrm>
-            <a:off x="687839" y="5725853"/>
+            <a:off x="687839" y="5840965"/>
             <a:ext cx="3723485" cy="331235"/>
           </a:xfrm>
           <a:prstGeom prst="rect">
@@ -3249,10 +3251,10 @@
       </p:sp>
       <p:sp>
         <p:nvSpPr>
-          <p:cNvPr id="36" name="Text Placeholder 19">
+          <p:cNvPr id="18" name="Text Placeholder 19">
             <a:extLst>
               <a:ext uri="{FF2B5EF4-FFF2-40B4-BE49-F238E27FC236}">
-                <a16:creationId xmlns:a16="http://schemas.microsoft.com/office/drawing/2014/main" id="{EB606785-1993-4EEF-A1BB-74ED30D7CC70}"/>
+                <a16:creationId xmlns:a16="http://schemas.microsoft.com/office/drawing/2014/main" id="{A91C537F-3F9B-402B-9E02-5A30549B4D09}"/>
               </a:ext>
             </a:extLst>
           </p:cNvPr>
@@ -3265,7 +3267,7 @@
         </p:nvSpPr>
         <p:spPr>
           <a:xfrm>
-            <a:off x="683868" y="3918670"/>
+            <a:off x="683868" y="3925112"/>
             <a:ext cx="3727456" cy="568865"/>
           </a:xfrm>
         </p:spPr>
@@ -3274,18 +3276,24 @@
           <a:lstStyle/>
           <a:p>
             <a:r>
-              <a:rPr lang="en-US" sz="3200" dirty="0"/>
-              <a:t>Preslav Mihaylov</a:t>
+              <a:rPr lang="en-US" sz="3200" noProof="1">
+                <a:solidFill>
+                  <a:schemeClr val="tx2">
+                    <a:lumMod val="50000"/>
+                  </a:schemeClr>
+                </a:solidFill>
+              </a:rPr>
+              <a:t>Dr. Svetlin Nakov</a:t>
             </a:r>
           </a:p>
         </p:txBody>
       </p:sp>
       <p:sp>
         <p:nvSpPr>
-          <p:cNvPr id="37" name="Text Placeholder 21">
+          <p:cNvPr id="19" name="Text Placeholder 21">
             <a:extLst>
               <a:ext uri="{FF2B5EF4-FFF2-40B4-BE49-F238E27FC236}">
-                <a16:creationId xmlns:a16="http://schemas.microsoft.com/office/drawing/2014/main" id="{6EF67E3E-A28B-42FB-B770-CB2CCD2F6A2A}"/>
+                <a16:creationId xmlns:a16="http://schemas.microsoft.com/office/drawing/2014/main" id="{A628D0DC-5FAE-4768-8267-EDFE32839AA9}"/>
               </a:ext>
             </a:extLst>
           </p:cNvPr>
@@ -3298,8 +3306,8 @@
         </p:nvSpPr>
         <p:spPr>
           <a:xfrm>
-            <a:off x="683868" y="4515256"/>
-            <a:ext cx="3723485" cy="800916"/>
+            <a:off x="683868" y="4582061"/>
+            <a:ext cx="3810344" cy="832591"/>
           </a:xfrm>
         </p:spPr>
         <p:txBody>
@@ -3307,25 +3315,165 @@
           <a:lstStyle/>
           <a:p>
             <a:r>
-              <a:rPr lang="en-US" dirty="0"/>
-              <a:t>Head of Training &amp;</a:t>
+              <a:rPr lang="en-US" sz="2400" dirty="0">
+                <a:solidFill>
+                  <a:schemeClr val="accent1">
+                    <a:lumMod val="75000"/>
+                  </a:schemeClr>
+                </a:solidFill>
+              </a:rPr>
+              <a:t>Co-Founder, Chief Training, Innovation and Inspiration</a:t>
+            </a:r>
+          </a:p>
+        </p:txBody>
+      </p:sp>
+      <p:sp>
+        <p:nvSpPr>
+          <p:cNvPr id="20" name="TextBox 19">
+            <a:extLst>
+              <a:ext uri="{FF2B5EF4-FFF2-40B4-BE49-F238E27FC236}">
+                <a16:creationId xmlns:a16="http://schemas.microsoft.com/office/drawing/2014/main" id="{6B179507-47F7-4F9D-A549-4EF18E68092B}"/>
+              </a:ext>
+            </a:extLst>
+          </p:cNvPr>
+          <p:cNvSpPr txBox="1"/>
+          <p:nvPr/>
+        </p:nvSpPr>
+        <p:spPr>
+          <a:xfrm rot="576164">
+            <a:off x="9482229" y="3689302"/>
+            <a:ext cx="1975926" cy="722955"/>
+          </a:xfrm>
+          <a:prstGeom prst="rect">
+            <a:avLst/>
+          </a:prstGeom>
+          <a:noFill/>
+        </p:spPr>
+        <p:txBody>
+          <a:bodyPr wrap="none" rtlCol="0">
+            <a:spAutoFit/>
+          </a:bodyPr>
+          <a:lstStyle/>
+          <a:p>
+            <a:pPr algn="ctr">
+              <a:lnSpc>
+                <a:spcPct val="85000"/>
+              </a:lnSpc>
+            </a:pPr>
+            <a:r>
+              <a:rPr lang="en-US" b="1" spc="50" dirty="0">
+                <a:ln w="9525" cmpd="sng">
+                  <a:solidFill>
+                    <a:srgbClr val="FFA72A"/>
+                  </a:solidFill>
+                  <a:prstDash val="solid"/>
+                </a:ln>
+                <a:solidFill>
+                  <a:srgbClr val="FFF0D9"/>
+                </a:solidFill>
+                <a:effectLst>
+                  <a:glow rad="38100">
+                    <a:schemeClr val="accent1">
+                      <a:alpha val="40000"/>
+                    </a:schemeClr>
+                  </a:glow>
+                </a:effectLst>
+              </a:rPr>
+              <a:t>Programming</a:t>
             </a:r>
             <a:br>
-              <a:rPr lang="en-US" dirty="0"/>
+              <a:rPr lang="en-US" b="1" spc="50" dirty="0">
+                <a:ln w="9525" cmpd="sng">
+                  <a:solidFill>
+                    <a:srgbClr val="FFA72A"/>
+                  </a:solidFill>
+                  <a:prstDash val="solid"/>
+                </a:ln>
+                <a:solidFill>
+                  <a:srgbClr val="FFF0D9"/>
+                </a:solidFill>
+                <a:effectLst>
+                  <a:glow rad="38100">
+                    <a:schemeClr val="accent1">
+                      <a:alpha val="40000"/>
+                    </a:schemeClr>
+                  </a:glow>
+                </a:effectLst>
+              </a:rPr>
             </a:br>
             <a:r>
-              <a:rPr lang="en-US" dirty="0"/>
-              <a:t>Software Engineer</a:t>
+              <a:rPr lang="en-US" b="1" spc="50" dirty="0">
+                <a:ln w="9525" cmpd="sng">
+                  <a:solidFill>
+                    <a:srgbClr val="FFA72A"/>
+                  </a:solidFill>
+                  <a:prstDash val="solid"/>
+                </a:ln>
+                <a:solidFill>
+                  <a:srgbClr val="FFF0D9"/>
+                </a:solidFill>
+                <a:effectLst>
+                  <a:glow rad="38100">
+                    <a:schemeClr val="accent1">
+                      <a:alpha val="40000"/>
+                    </a:schemeClr>
+                  </a:glow>
+                </a:effectLst>
+              </a:rPr>
+              <a:t>Basics</a:t>
             </a:r>
           </a:p>
         </p:txBody>
       </p:sp>
       <p:pic>
         <p:nvPicPr>
-          <p:cNvPr id="15" name="Picture 14" descr="http://softuni.bg" title="SoftUni Code Wizard">
+          <p:cNvPr id="21" name="Picture Placeholder 2">
             <a:extLst>
               <a:ext uri="{FF2B5EF4-FFF2-40B4-BE49-F238E27FC236}">
-                <a16:creationId xmlns:a16="http://schemas.microsoft.com/office/drawing/2014/main" id="{A038E554-874B-43BC-9FA2-63959B464E53}"/>
+                <a16:creationId xmlns:a16="http://schemas.microsoft.com/office/drawing/2014/main" id="{C3F878A3-9677-48C3-B483-2C90766F169F}"/>
+              </a:ext>
+            </a:extLst>
+          </p:cNvPr>
+          <p:cNvPicPr>
+            <a:picLocks noGrp="1" noChangeAspect="1"/>
+          </p:cNvPicPr>
+          <p:nvPr>
+            <p:ph type="pic" sz="quarter" idx="16"/>
+          </p:nvPr>
+        </p:nvPicPr>
+        <p:blipFill rotWithShape="1">
+          <a:blip r:embed="rId4" cstate="print">
+            <a:extLst>
+              <a:ext uri="{28A0092B-C50C-407E-A947-70E740481C1C}">
+                <a14:useLocalDpi xmlns:a14="http://schemas.microsoft.com/office/drawing/2010/main"/>
+              </a:ext>
+            </a:extLst>
+          </a:blip>
+          <a:srcRect l="2176" r="37251"/>
+          <a:stretch/>
+        </p:blipFill>
+        <p:spPr>
+          <a:xfrm>
+            <a:off x="4721512" y="4114800"/>
+            <a:ext cx="4192300" cy="2070767"/>
+          </a:xfrm>
+          <a:prstGeom prst="rect">
+            <a:avLst/>
+          </a:prstGeom>
+          <a:ln>
+            <a:noFill/>
+          </a:ln>
+          <a:effectLst>
+            <a:softEdge rad="112500"/>
+          </a:effectLst>
+        </p:spPr>
+      </p:pic>
+      <p:pic>
+        <p:nvPicPr>
+          <p:cNvPr id="22" name="Picture 21" descr="http://softuni.bg" title="SoftUni Code Wizard">
+            <a:extLst>
+              <a:ext uri="{FF2B5EF4-FFF2-40B4-BE49-F238E27FC236}">
+                <a16:creationId xmlns:a16="http://schemas.microsoft.com/office/drawing/2014/main" id="{D497D76C-EE94-4774-BE19-6D88607B7B46}"/>
               </a:ext>
             </a:extLst>
           </p:cNvPr>
@@ -3335,7 +3483,7 @@
           <p:nvPr/>
         </p:nvPicPr>
         <p:blipFill>
-          <a:blip r:embed="rId4">
+          <a:blip r:embed="rId5">
             <a:extLst>
               <a:ext uri="{28A0092B-C50C-407E-A947-70E740481C1C}">
                 <a14:useLocalDpi xmlns:a14="http://schemas.microsoft.com/office/drawing/2010/main" val="0"/>
@@ -3348,7 +3496,7 @@
         </p:blipFill>
         <p:spPr>
           <a:xfrm flipH="1">
-            <a:off x="7851432" y="3906914"/>
+            <a:off x="8267370" y="3906914"/>
             <a:ext cx="2133598" cy="2341486"/>
           </a:xfrm>
           <a:prstGeom prst="rect">
@@ -3356,104 +3504,36 @@
           </a:prstGeom>
         </p:spPr>
       </p:pic>
-      <p:sp>
-        <p:nvSpPr>
-          <p:cNvPr id="16" name="TextBox 15">
+      <p:pic>
+        <p:nvPicPr>
+          <p:cNvPr id="3" name="Picture 2">
             <a:extLst>
               <a:ext uri="{FF2B5EF4-FFF2-40B4-BE49-F238E27FC236}">
-                <a16:creationId xmlns:a16="http://schemas.microsoft.com/office/drawing/2014/main" id="{36223075-BE15-4DC0-A4A7-1D3F61484CB0}"/>
+                <a16:creationId xmlns:a16="http://schemas.microsoft.com/office/drawing/2014/main" id="{ABC736F2-2BC2-473D-A083-E771E35DEDDB}"/>
               </a:ext>
             </a:extLst>
           </p:cNvPr>
-          <p:cNvSpPr txBox="1"/>
+          <p:cNvPicPr>
+            <a:picLocks noChangeAspect="1"/>
+          </p:cNvPicPr>
           <p:nvPr/>
-        </p:nvSpPr>
+        </p:nvPicPr>
+        <p:blipFill>
+          <a:blip r:embed="rId6"/>
+          <a:stretch>
+            <a:fillRect/>
+          </a:stretch>
+        </p:blipFill>
         <p:spPr>
-          <a:xfrm rot="576164">
-            <a:off x="9066291" y="3618778"/>
-            <a:ext cx="1975926" cy="722955"/>
+          <a:xfrm>
+            <a:off x="1217612" y="1828800"/>
+            <a:ext cx="2564686" cy="1635394"/>
           </a:xfrm>
           <a:prstGeom prst="rect">
             <a:avLst/>
           </a:prstGeom>
-          <a:noFill/>
         </p:spPr>
-        <p:txBody>
-          <a:bodyPr wrap="none" rtlCol="0">
-            <a:spAutoFit/>
-          </a:bodyPr>
-          <a:lstStyle/>
-          <a:p>
-            <a:pPr algn="ctr">
-              <a:lnSpc>
-                <a:spcPct val="85000"/>
-              </a:lnSpc>
-            </a:pPr>
-            <a:r>
-              <a:rPr lang="en-US" b="1" spc="50" dirty="0">
-                <a:ln w="9525" cmpd="sng">
-                  <a:solidFill>
-                    <a:srgbClr val="FFA72A"/>
-                  </a:solidFill>
-                  <a:prstDash val="solid"/>
-                </a:ln>
-                <a:solidFill>
-                  <a:srgbClr val="FFF0D9"/>
-                </a:solidFill>
-                <a:effectLst>
-                  <a:glow rad="38100">
-                    <a:schemeClr val="accent1">
-                      <a:alpha val="40000"/>
-                    </a:schemeClr>
-                  </a:glow>
-                </a:effectLst>
-              </a:rPr>
-              <a:t>Programming</a:t>
-            </a:r>
-            <a:br>
-              <a:rPr lang="en-US" b="1" spc="50" dirty="0">
-                <a:ln w="9525" cmpd="sng">
-                  <a:solidFill>
-                    <a:srgbClr val="FFA72A"/>
-                  </a:solidFill>
-                  <a:prstDash val="solid"/>
-                </a:ln>
-                <a:solidFill>
-                  <a:srgbClr val="FFF0D9"/>
-                </a:solidFill>
-                <a:effectLst>
-                  <a:glow rad="38100">
-                    <a:schemeClr val="accent1">
-                      <a:alpha val="40000"/>
-                    </a:schemeClr>
-                  </a:glow>
-                </a:effectLst>
-              </a:rPr>
-            </a:br>
-            <a:r>
-              <a:rPr lang="en-US" b="1" spc="50" dirty="0">
-                <a:ln w="9525" cmpd="sng">
-                  <a:solidFill>
-                    <a:srgbClr val="FFA72A"/>
-                  </a:solidFill>
-                  <a:prstDash val="solid"/>
-                </a:ln>
-                <a:solidFill>
-                  <a:srgbClr val="FFF0D9"/>
-                </a:solidFill>
-                <a:effectLst>
-                  <a:glow rad="38100">
-                    <a:schemeClr val="accent1">
-                      <a:alpha val="40000"/>
-                    </a:schemeClr>
-                  </a:glow>
-                </a:effectLst>
-              </a:rPr>
-              <a:t>Basics</a:t>
-            </a:r>
-          </a:p>
-        </p:txBody>
-      </p:sp>
+      </p:pic>
     </p:spTree>
     <p:extLst>
       <p:ext uri="{BB962C8B-B14F-4D97-AF65-F5344CB8AC3E}">
@@ -3502,10 +3582,10 @@
           <a:lstStyle/>
           <a:p>
             <a:r>
-              <a:rPr lang="en-US" dirty="0"/>
+              <a:rPr lang="en-US" sz="4400" dirty="0"/>
               <a:t>Table of Contents</a:t>
             </a:r>
-            <a:endParaRPr lang="bg-BG" dirty="0"/>
+            <a:endParaRPr lang="bg-BG" sz="4400" dirty="0"/>
           </a:p>
         </p:txBody>
       </p:sp>
@@ -3521,7 +3601,7 @@
         </p:nvSpPr>
         <p:spPr>
           <a:xfrm>
-            <a:off x="190414" y="1191467"/>
+            <a:off x="190414" y="1154143"/>
             <a:ext cx="8570998" cy="5530010"/>
           </a:xfrm>
         </p:spPr>
@@ -3537,7 +3617,14 @@
             </a:pPr>
             <a:r>
               <a:rPr lang="en-US" dirty="0"/>
-              <a:t>What does it mean to program?</a:t>
+              <a:t>What Does It Mean "To Program"?</a:t>
+            </a:r>
+          </a:p>
+          <a:p>
+            <a:pPr marL="719138" lvl="1" indent="-365125"/>
+            <a:r>
+              <a:rPr lang="en-US" dirty="0"/>
+              <a:t>Writing Commands and Programs</a:t>
             </a:r>
           </a:p>
           <a:p>
@@ -3547,7 +3634,7 @@
             </a:pPr>
             <a:r>
               <a:rPr lang="en-US" dirty="0"/>
-              <a:t>Programming Languages – High and Low</a:t>
+              <a:t>Programming Languages and Runtimes</a:t>
             </a:r>
           </a:p>
           <a:p>
@@ -3557,7 +3644,7 @@
             </a:pPr>
             <a:r>
               <a:rPr lang="en-US" dirty="0"/>
-              <a:t>Computer Programs Examples</a:t>
+              <a:t>Computer Programs – Examples</a:t>
             </a:r>
           </a:p>
           <a:p>
@@ -3567,7 +3654,7 @@
             </a:pPr>
             <a:r>
               <a:rPr lang="en-US" dirty="0"/>
-              <a:t>Making our first console application</a:t>
+              <a:t>Creating Our First Console Application</a:t>
             </a:r>
             <a:endParaRPr lang="bg-BG" dirty="0"/>
           </a:p>
@@ -3583,29 +3670,35 @@
             <a:pPr marL="712788" lvl="1" indent="-409575"/>
             <a:r>
               <a:rPr lang="en-US" dirty="0"/>
-              <a:t>Starting &amp; Testing the program</a:t>
-            </a:r>
-            <a:endParaRPr lang="bg-BG" dirty="0"/>
-          </a:p>
-          <a:p>
-            <a:pPr marL="514350" lvl="0" indent="-514350">
+              <a:t>Starting &amp; Testing the Program</a:t>
+            </a:r>
+          </a:p>
+          <a:p>
+            <a:pPr marL="512817" indent="-514350">
               <a:buFont typeface="+mj-lt"/>
               <a:buAutoNum type="arabicPeriod"/>
             </a:pPr>
             <a:r>
               <a:rPr lang="en-US" dirty="0"/>
-              <a:t>Making a GUI Application</a:t>
-            </a:r>
-          </a:p>
-          <a:p>
-            <a:pPr marL="514350" lvl="0" indent="-514350">
-              <a:buFont typeface="+mj-lt"/>
-              <a:buAutoNum type="arabicPeriod"/>
-            </a:pPr>
+              <a:t>Typical Mistakes</a:t>
+            </a:r>
+            <a:r>
+              <a:rPr lang="bg-BG" dirty="0"/>
+              <a:t> </a:t>
+            </a:r>
             <a:r>
               <a:rPr lang="en-US" dirty="0"/>
-              <a:t>Making a Web Application</a:t>
-            </a:r>
+              <a:t>in</a:t>
+            </a:r>
+            <a:r>
+              <a:rPr lang="bg-BG" dirty="0"/>
+              <a:t> </a:t>
+            </a:r>
+            <a:r>
+              <a:rPr lang="en-US" dirty="0"/>
+              <a:t>a C# Program</a:t>
+            </a:r>
+            <a:endParaRPr lang="bg-BG" dirty="0"/>
           </a:p>
         </p:txBody>
       </p:sp>
@@ -3672,6 +3765,294 @@
   <p:clrMapOvr>
     <a:masterClrMapping/>
   </p:clrMapOvr>
+  <p:timing>
+    <p:tnLst>
+      <p:par>
+        <p:cTn id="1" dur="indefinite" restart="never" nodeType="tmRoot">
+          <p:childTnLst>
+            <p:seq concurrent="1" nextAc="seek">
+              <p:cTn id="2" dur="indefinite" nodeType="mainSeq">
+                <p:childTnLst>
+                  <p:par>
+                    <p:cTn id="3" fill="hold">
+                      <p:stCondLst>
+                        <p:cond delay="indefinite"/>
+                      </p:stCondLst>
+                      <p:childTnLst>
+                        <p:par>
+                          <p:cTn id="4" fill="hold">
+                            <p:stCondLst>
+                              <p:cond delay="0"/>
+                            </p:stCondLst>
+                            <p:childTnLst>
+                              <p:par>
+                                <p:cTn id="5" presetID="1" presetClass="entr" presetSubtype="0" fill="hold" nodeType="clickEffect">
+                                  <p:stCondLst>
+                                    <p:cond delay="0"/>
+                                  </p:stCondLst>
+                                  <p:childTnLst>
+                                    <p:set>
+                                      <p:cBhvr>
+                                        <p:cTn id="6" dur="1" fill="hold">
+                                          <p:stCondLst>
+                                            <p:cond delay="0"/>
+                                          </p:stCondLst>
+                                        </p:cTn>
+                                        <p:tgtEl>
+                                          <p:spTgt spid="444419">
+                                            <p:txEl>
+                                              <p:pRg st="2" end="2"/>
+                                            </p:txEl>
+                                          </p:spTgt>
+                                        </p:tgtEl>
+                                        <p:attrNameLst>
+                                          <p:attrName>style.visibility</p:attrName>
+                                        </p:attrNameLst>
+                                      </p:cBhvr>
+                                      <p:to>
+                                        <p:strVal val="visible"/>
+                                      </p:to>
+                                    </p:set>
+                                  </p:childTnLst>
+                                </p:cTn>
+                              </p:par>
+                            </p:childTnLst>
+                          </p:cTn>
+                        </p:par>
+                      </p:childTnLst>
+                    </p:cTn>
+                  </p:par>
+                  <p:par>
+                    <p:cTn id="7" fill="hold">
+                      <p:stCondLst>
+                        <p:cond delay="indefinite"/>
+                      </p:stCondLst>
+                      <p:childTnLst>
+                        <p:par>
+                          <p:cTn id="8" fill="hold">
+                            <p:stCondLst>
+                              <p:cond delay="0"/>
+                            </p:stCondLst>
+                            <p:childTnLst>
+                              <p:par>
+                                <p:cTn id="9" presetID="1" presetClass="entr" presetSubtype="0" fill="hold" nodeType="clickEffect">
+                                  <p:stCondLst>
+                                    <p:cond delay="0"/>
+                                  </p:stCondLst>
+                                  <p:childTnLst>
+                                    <p:set>
+                                      <p:cBhvr>
+                                        <p:cTn id="10" dur="1" fill="hold">
+                                          <p:stCondLst>
+                                            <p:cond delay="0"/>
+                                          </p:stCondLst>
+                                        </p:cTn>
+                                        <p:tgtEl>
+                                          <p:spTgt spid="444419">
+                                            <p:txEl>
+                                              <p:pRg st="3" end="3"/>
+                                            </p:txEl>
+                                          </p:spTgt>
+                                        </p:tgtEl>
+                                        <p:attrNameLst>
+                                          <p:attrName>style.visibility</p:attrName>
+                                        </p:attrNameLst>
+                                      </p:cBhvr>
+                                      <p:to>
+                                        <p:strVal val="visible"/>
+                                      </p:to>
+                                    </p:set>
+                                  </p:childTnLst>
+                                </p:cTn>
+                              </p:par>
+                            </p:childTnLst>
+                          </p:cTn>
+                        </p:par>
+                      </p:childTnLst>
+                    </p:cTn>
+                  </p:par>
+                  <p:par>
+                    <p:cTn id="11" fill="hold">
+                      <p:stCondLst>
+                        <p:cond delay="indefinite"/>
+                      </p:stCondLst>
+                      <p:childTnLst>
+                        <p:par>
+                          <p:cTn id="12" fill="hold">
+                            <p:stCondLst>
+                              <p:cond delay="0"/>
+                            </p:stCondLst>
+                            <p:childTnLst>
+                              <p:par>
+                                <p:cTn id="13" presetID="1" presetClass="entr" presetSubtype="0" fill="hold" nodeType="clickEffect">
+                                  <p:stCondLst>
+                                    <p:cond delay="0"/>
+                                  </p:stCondLst>
+                                  <p:childTnLst>
+                                    <p:set>
+                                      <p:cBhvr>
+                                        <p:cTn id="14" dur="1" fill="hold">
+                                          <p:stCondLst>
+                                            <p:cond delay="0"/>
+                                          </p:stCondLst>
+                                        </p:cTn>
+                                        <p:tgtEl>
+                                          <p:spTgt spid="444419">
+                                            <p:txEl>
+                                              <p:pRg st="4" end="4"/>
+                                            </p:txEl>
+                                          </p:spTgt>
+                                        </p:tgtEl>
+                                        <p:attrNameLst>
+                                          <p:attrName>style.visibility</p:attrName>
+                                        </p:attrNameLst>
+                                      </p:cBhvr>
+                                      <p:to>
+                                        <p:strVal val="visible"/>
+                                      </p:to>
+                                    </p:set>
+                                  </p:childTnLst>
+                                </p:cTn>
+                              </p:par>
+                              <p:par>
+                                <p:cTn id="15" presetID="1" presetClass="entr" presetSubtype="0" fill="hold" nodeType="withEffect">
+                                  <p:stCondLst>
+                                    <p:cond delay="0"/>
+                                  </p:stCondLst>
+                                  <p:childTnLst>
+                                    <p:set>
+                                      <p:cBhvr>
+                                        <p:cTn id="16" dur="1" fill="hold">
+                                          <p:stCondLst>
+                                            <p:cond delay="0"/>
+                                          </p:stCondLst>
+                                        </p:cTn>
+                                        <p:tgtEl>
+                                          <p:spTgt spid="444419">
+                                            <p:txEl>
+                                              <p:pRg st="5" end="5"/>
+                                            </p:txEl>
+                                          </p:spTgt>
+                                        </p:tgtEl>
+                                        <p:attrNameLst>
+                                          <p:attrName>style.visibility</p:attrName>
+                                        </p:attrNameLst>
+                                      </p:cBhvr>
+                                      <p:to>
+                                        <p:strVal val="visible"/>
+                                      </p:to>
+                                    </p:set>
+                                  </p:childTnLst>
+                                </p:cTn>
+                              </p:par>
+                              <p:par>
+                                <p:cTn id="17" presetID="1" presetClass="entr" presetSubtype="0" fill="hold" nodeType="withEffect">
+                                  <p:stCondLst>
+                                    <p:cond delay="0"/>
+                                  </p:stCondLst>
+                                  <p:childTnLst>
+                                    <p:set>
+                                      <p:cBhvr>
+                                        <p:cTn id="18" dur="1" fill="hold">
+                                          <p:stCondLst>
+                                            <p:cond delay="0"/>
+                                          </p:stCondLst>
+                                        </p:cTn>
+                                        <p:tgtEl>
+                                          <p:spTgt spid="444419">
+                                            <p:txEl>
+                                              <p:pRg st="6" end="6"/>
+                                            </p:txEl>
+                                          </p:spTgt>
+                                        </p:tgtEl>
+                                        <p:attrNameLst>
+                                          <p:attrName>style.visibility</p:attrName>
+                                        </p:attrNameLst>
+                                      </p:cBhvr>
+                                      <p:to>
+                                        <p:strVal val="visible"/>
+                                      </p:to>
+                                    </p:set>
+                                  </p:childTnLst>
+                                </p:cTn>
+                              </p:par>
+                            </p:childTnLst>
+                          </p:cTn>
+                        </p:par>
+                      </p:childTnLst>
+                    </p:cTn>
+                  </p:par>
+                  <p:par>
+                    <p:cTn id="19" fill="hold">
+                      <p:stCondLst>
+                        <p:cond delay="indefinite"/>
+                      </p:stCondLst>
+                      <p:childTnLst>
+                        <p:par>
+                          <p:cTn id="20" fill="hold">
+                            <p:stCondLst>
+                              <p:cond delay="0"/>
+                            </p:stCondLst>
+                            <p:childTnLst>
+                              <p:par>
+                                <p:cTn id="21" presetID="1" presetClass="entr" presetSubtype="0" fill="hold" nodeType="clickEffect">
+                                  <p:stCondLst>
+                                    <p:cond delay="0"/>
+                                  </p:stCondLst>
+                                  <p:childTnLst>
+                                    <p:set>
+                                      <p:cBhvr>
+                                        <p:cTn id="22" dur="1" fill="hold">
+                                          <p:stCondLst>
+                                            <p:cond delay="0"/>
+                                          </p:stCondLst>
+                                        </p:cTn>
+                                        <p:tgtEl>
+                                          <p:spTgt spid="444419">
+                                            <p:txEl>
+                                              <p:pRg st="7" end="7"/>
+                                            </p:txEl>
+                                          </p:spTgt>
+                                        </p:tgtEl>
+                                        <p:attrNameLst>
+                                          <p:attrName>style.visibility</p:attrName>
+                                        </p:attrNameLst>
+                                      </p:cBhvr>
+                                      <p:to>
+                                        <p:strVal val="visible"/>
+                                      </p:to>
+                                    </p:set>
+                                  </p:childTnLst>
+                                </p:cTn>
+                              </p:par>
+                            </p:childTnLst>
+                          </p:cTn>
+                        </p:par>
+                      </p:childTnLst>
+                    </p:cTn>
+                  </p:par>
+                </p:childTnLst>
+              </p:cTn>
+              <p:prevCondLst>
+                <p:cond evt="onPrev" delay="0">
+                  <p:tgtEl>
+                    <p:sldTgt/>
+                  </p:tgtEl>
+                </p:cond>
+              </p:prevCondLst>
+              <p:nextCondLst>
+                <p:cond evt="onNext" delay="0">
+                  <p:tgtEl>
+                    <p:sldTgt/>
+                  </p:tgtEl>
+                </p:cond>
+              </p:nextCondLst>
+            </p:seq>
+          </p:childTnLst>
+        </p:cTn>
+      </p:par>
+    </p:tnLst>
+  </p:timing>
 </p:sld>
 </file>
 
@@ -3710,12 +4091,14 @@
         </p:nvSpPr>
         <p:spPr/>
         <p:txBody>
-          <a:bodyPr/>
+          <a:bodyPr>
+            <a:normAutofit/>
+          </a:bodyPr>
           <a:lstStyle/>
           <a:p>
             <a:r>
-              <a:rPr lang="en-US" dirty="0"/>
-              <a:t>First Steps in Coding</a:t>
+              <a:rPr lang="en-US" sz="4400" dirty="0"/>
+              <a:t>First Steps in Programming</a:t>
             </a:r>
           </a:p>
         </p:txBody>
